--- a/Diagram/Diagram.pptx
+++ b/Diagram/Diagram.pptx
@@ -3051,7 +3051,7 @@
           <a:p>
             <a:r>
               <a:rPr lang="en-US" altLang="zh-TW" dirty="0" smtClean="0"/>
-              <a:t>JSP Structure</a:t>
+              <a:t>Structure</a:t>
             </a:r>
             <a:endParaRPr lang="zh-TW" altLang="en-US" dirty="0"/>
           </a:p>
@@ -3065,7 +3065,7 @@
         </p:nvSpPr>
         <p:spPr>
           <a:xfrm>
-            <a:off x="4887097" y="1694441"/>
+            <a:off x="4969476" y="2650213"/>
             <a:ext cx="1919416" cy="766119"/>
           </a:xfrm>
           <a:prstGeom prst="rect">
@@ -3109,7 +3109,7 @@
         </p:nvSpPr>
         <p:spPr>
           <a:xfrm>
-            <a:off x="2154194" y="3230434"/>
+            <a:off x="2236573" y="4186206"/>
             <a:ext cx="1919416" cy="766119"/>
           </a:xfrm>
           <a:prstGeom prst="rect">
@@ -3153,7 +3153,7 @@
         </p:nvSpPr>
         <p:spPr>
           <a:xfrm>
-            <a:off x="7620000" y="3230434"/>
+            <a:off x="7702379" y="4186206"/>
             <a:ext cx="1919416" cy="766119"/>
           </a:xfrm>
           <a:prstGeom prst="rect">
@@ -3197,7 +3197,7 @@
         </p:nvSpPr>
         <p:spPr>
           <a:xfrm>
-            <a:off x="4887097" y="3230433"/>
+            <a:off x="4969476" y="4186205"/>
             <a:ext cx="1919416" cy="766119"/>
           </a:xfrm>
           <a:prstGeom prst="rect">
@@ -3244,7 +3244,7 @@
         </p:nvCxnSpPr>
         <p:spPr>
           <a:xfrm rot="5400000">
-            <a:off x="4095417" y="1479046"/>
+            <a:off x="4177796" y="2434818"/>
             <a:ext cx="769874" cy="2732903"/>
           </a:xfrm>
           <a:prstGeom prst="bentConnector3">
@@ -3279,7 +3279,7 @@
         </p:nvCxnSpPr>
         <p:spPr>
           <a:xfrm rot="16200000" flipH="1">
-            <a:off x="6828319" y="1479045"/>
+            <a:off x="6910698" y="2434817"/>
             <a:ext cx="769874" cy="2732903"/>
           </a:xfrm>
           <a:prstGeom prst="bentConnector3">
@@ -3287,6 +3287,171 @@
               <a:gd name="adj1" fmla="val 50000"/>
             </a:avLst>
           </a:prstGeom>
+        </p:spPr>
+        <p:style>
+          <a:lnRef idx="1">
+            <a:schemeClr val="accent1"/>
+          </a:lnRef>
+          <a:fillRef idx="0">
+            <a:schemeClr val="accent1"/>
+          </a:fillRef>
+          <a:effectRef idx="0">
+            <a:schemeClr val="accent1"/>
+          </a:effectRef>
+          <a:fontRef idx="minor">
+            <a:schemeClr val="tx1"/>
+          </a:fontRef>
+        </p:style>
+      </p:cxnSp>
+      <p:sp>
+        <p:nvSpPr>
+          <p:cNvPr id="24" name="矩形 23"/>
+          <p:cNvSpPr/>
+          <p:nvPr/>
+        </p:nvSpPr>
+        <p:spPr>
+          <a:xfrm>
+            <a:off x="1892643" y="5718916"/>
+            <a:ext cx="2607275" cy="766119"/>
+          </a:xfrm>
+          <a:prstGeom prst="rect">
+            <a:avLst/>
+          </a:prstGeom>
+        </p:spPr>
+        <p:style>
+          <a:lnRef idx="2">
+            <a:schemeClr val="accent1">
+              <a:shade val="50000"/>
+            </a:schemeClr>
+          </a:lnRef>
+          <a:fillRef idx="1">
+            <a:schemeClr val="accent1"/>
+          </a:fillRef>
+          <a:effectRef idx="0">
+            <a:schemeClr val="accent1"/>
+          </a:effectRef>
+          <a:fontRef idx="minor">
+            <a:schemeClr val="lt1"/>
+          </a:fontRef>
+        </p:style>
+        <p:txBody>
+          <a:bodyPr rtlCol="0" anchor="ctr"/>
+          <a:lstStyle/>
+          <a:p>
+            <a:pPr algn="ctr"/>
+            <a:r>
+              <a:rPr lang="en-US" altLang="zh-TW" dirty="0" smtClean="0"/>
+              <a:t>SearchHandleServlet.java</a:t>
+            </a:r>
+          </a:p>
+        </p:txBody>
+      </p:sp>
+      <p:sp>
+        <p:nvSpPr>
+          <p:cNvPr id="25" name="矩形 24"/>
+          <p:cNvSpPr/>
+          <p:nvPr/>
+        </p:nvSpPr>
+        <p:spPr>
+          <a:xfrm>
+            <a:off x="7358448" y="2653968"/>
+            <a:ext cx="2607275" cy="766119"/>
+          </a:xfrm>
+          <a:prstGeom prst="rect">
+            <a:avLst/>
+          </a:prstGeom>
+        </p:spPr>
+        <p:style>
+          <a:lnRef idx="2">
+            <a:schemeClr val="accent1">
+              <a:shade val="50000"/>
+            </a:schemeClr>
+          </a:lnRef>
+          <a:fillRef idx="1">
+            <a:schemeClr val="accent1"/>
+          </a:fillRef>
+          <a:effectRef idx="0">
+            <a:schemeClr val="accent1"/>
+          </a:effectRef>
+          <a:fontRef idx="minor">
+            <a:schemeClr val="lt1"/>
+          </a:fontRef>
+        </p:style>
+        <p:txBody>
+          <a:bodyPr rtlCol="0" anchor="ctr"/>
+          <a:lstStyle/>
+          <a:p>
+            <a:pPr algn="ctr"/>
+            <a:r>
+              <a:rPr lang="en-US" altLang="zh-TW" dirty="0" smtClean="0"/>
+              <a:t>YelpCollectServlet.java</a:t>
+            </a:r>
+          </a:p>
+        </p:txBody>
+      </p:sp>
+      <p:sp>
+        <p:nvSpPr>
+          <p:cNvPr id="26" name="矩形 25"/>
+          <p:cNvSpPr/>
+          <p:nvPr/>
+        </p:nvSpPr>
+        <p:spPr>
+          <a:xfrm>
+            <a:off x="7358449" y="5722197"/>
+            <a:ext cx="2607275" cy="766119"/>
+          </a:xfrm>
+          <a:prstGeom prst="rect">
+            <a:avLst/>
+          </a:prstGeom>
+        </p:spPr>
+        <p:style>
+          <a:lnRef idx="2">
+            <a:schemeClr val="accent1">
+              <a:shade val="50000"/>
+            </a:schemeClr>
+          </a:lnRef>
+          <a:fillRef idx="1">
+            <a:schemeClr val="accent1"/>
+          </a:fillRef>
+          <a:effectRef idx="0">
+            <a:schemeClr val="accent1"/>
+          </a:effectRef>
+          <a:fontRef idx="minor">
+            <a:schemeClr val="lt1"/>
+          </a:fontRef>
+        </p:style>
+        <p:txBody>
+          <a:bodyPr rtlCol="0" anchor="ctr"/>
+          <a:lstStyle/>
+          <a:p>
+            <a:pPr algn="ctr"/>
+            <a:r>
+              <a:rPr lang="en-US" altLang="zh-TW" dirty="0" smtClean="0"/>
+              <a:t>CollectShowServlet.java</a:t>
+            </a:r>
+          </a:p>
+        </p:txBody>
+      </p:sp>
+      <p:cxnSp>
+        <p:nvCxnSpPr>
+          <p:cNvPr id="43" name="直線單箭頭接點 42"/>
+          <p:cNvCxnSpPr>
+            <a:stCxn id="25" idx="1"/>
+            <a:endCxn id="4" idx="3"/>
+          </p:cNvCxnSpPr>
+          <p:nvPr/>
+        </p:nvCxnSpPr>
+        <p:spPr>
+          <a:xfrm flipH="1" flipV="1">
+            <a:off x="6888892" y="3033273"/>
+            <a:ext cx="469556" cy="3755"/>
+          </a:xfrm>
+          <a:prstGeom prst="straightConnector1">
+            <a:avLst/>
+          </a:prstGeom>
+          <a:ln>
+            <a:tailEnd type="triangle"/>
+          </a:ln>
         </p:spPr>
         <p:style>
           <a:lnRef idx="1">
@@ -3305,21 +3470,256 @@
       </p:cxnSp>
       <p:cxnSp>
         <p:nvCxnSpPr>
-          <p:cNvPr id="21" name="直線接點 20"/>
+          <p:cNvPr id="45" name="直線單箭頭接點 44"/>
           <p:cNvCxnSpPr>
-            <a:stCxn id="4" idx="2"/>
-            <a:endCxn id="7" idx="0"/>
+            <a:stCxn id="24" idx="0"/>
+            <a:endCxn id="5" idx="2"/>
           </p:cNvCxnSpPr>
           <p:nvPr/>
         </p:nvCxnSpPr>
         <p:spPr>
-          <a:xfrm>
-            <a:off x="5846805" y="2460560"/>
-            <a:ext cx="0" cy="769873"/>
-          </a:xfrm>
-          <a:prstGeom prst="line">
+          <a:xfrm flipV="1">
+            <a:off x="3196281" y="4952325"/>
+            <a:ext cx="0" cy="766591"/>
+          </a:xfrm>
+          <a:prstGeom prst="straightConnector1">
             <a:avLst/>
           </a:prstGeom>
+          <a:ln>
+            <a:tailEnd type="triangle"/>
+          </a:ln>
+        </p:spPr>
+        <p:style>
+          <a:lnRef idx="1">
+            <a:schemeClr val="accent1"/>
+          </a:lnRef>
+          <a:fillRef idx="0">
+            <a:schemeClr val="accent1"/>
+          </a:fillRef>
+          <a:effectRef idx="0">
+            <a:schemeClr val="accent1"/>
+          </a:effectRef>
+          <a:fontRef idx="minor">
+            <a:schemeClr val="tx1"/>
+          </a:fontRef>
+        </p:style>
+      </p:cxnSp>
+      <p:cxnSp>
+        <p:nvCxnSpPr>
+          <p:cNvPr id="47" name="直線單箭頭接點 46"/>
+          <p:cNvCxnSpPr>
+            <a:stCxn id="26" idx="0"/>
+            <a:endCxn id="6" idx="2"/>
+          </p:cNvCxnSpPr>
+          <p:nvPr/>
+        </p:nvCxnSpPr>
+        <p:spPr>
+          <a:xfrm flipV="1">
+            <a:off x="8662087" y="4952325"/>
+            <a:ext cx="0" cy="769872"/>
+          </a:xfrm>
+          <a:prstGeom prst="straightConnector1">
+            <a:avLst/>
+          </a:prstGeom>
+          <a:ln>
+            <a:tailEnd type="triangle"/>
+          </a:ln>
+        </p:spPr>
+        <p:style>
+          <a:lnRef idx="1">
+            <a:schemeClr val="accent1"/>
+          </a:lnRef>
+          <a:fillRef idx="0">
+            <a:schemeClr val="accent1"/>
+          </a:fillRef>
+          <a:effectRef idx="0">
+            <a:schemeClr val="accent1"/>
+          </a:effectRef>
+          <a:fontRef idx="minor">
+            <a:schemeClr val="tx1"/>
+          </a:fontRef>
+        </p:style>
+      </p:cxnSp>
+      <p:sp>
+        <p:nvSpPr>
+          <p:cNvPr id="49" name="矩形 48"/>
+          <p:cNvSpPr/>
+          <p:nvPr/>
+        </p:nvSpPr>
+        <p:spPr>
+          <a:xfrm>
+            <a:off x="1285101" y="1733990"/>
+            <a:ext cx="3214817" cy="766119"/>
+          </a:xfrm>
+          <a:prstGeom prst="rect">
+            <a:avLst/>
+          </a:prstGeom>
+        </p:spPr>
+        <p:style>
+          <a:lnRef idx="2">
+            <a:schemeClr val="accent1">
+              <a:shade val="50000"/>
+            </a:schemeClr>
+          </a:lnRef>
+          <a:fillRef idx="1">
+            <a:schemeClr val="accent1"/>
+          </a:fillRef>
+          <a:effectRef idx="0">
+            <a:schemeClr val="accent1"/>
+          </a:effectRef>
+          <a:fontRef idx="minor">
+            <a:schemeClr val="lt1"/>
+          </a:fontRef>
+        </p:style>
+        <p:txBody>
+          <a:bodyPr rtlCol="0" anchor="ctr"/>
+          <a:lstStyle/>
+          <a:p>
+            <a:pPr algn="ctr"/>
+            <a:r>
+              <a:rPr lang="zh-TW" altLang="en-US" dirty="0" smtClean="0"/>
+              <a:t>LoginVerificationServlet.java</a:t>
+            </a:r>
+          </a:p>
+        </p:txBody>
+      </p:sp>
+      <p:cxnSp>
+        <p:nvCxnSpPr>
+          <p:cNvPr id="51" name="肘形接點 50"/>
+          <p:cNvCxnSpPr>
+            <a:stCxn id="49" idx="3"/>
+            <a:endCxn id="4" idx="1"/>
+          </p:cNvCxnSpPr>
+          <p:nvPr/>
+        </p:nvCxnSpPr>
+        <p:spPr>
+          <a:xfrm>
+            <a:off x="4499918" y="2117050"/>
+            <a:ext cx="469558" cy="916223"/>
+          </a:xfrm>
+          <a:prstGeom prst="bentConnector3">
+            <a:avLst>
+              <a:gd name="adj1" fmla="val 50000"/>
+            </a:avLst>
+          </a:prstGeom>
+          <a:ln>
+            <a:tailEnd type="triangle"/>
+          </a:ln>
+        </p:spPr>
+        <p:style>
+          <a:lnRef idx="1">
+            <a:schemeClr val="accent1"/>
+          </a:lnRef>
+          <a:fillRef idx="0">
+            <a:schemeClr val="accent1"/>
+          </a:fillRef>
+          <a:effectRef idx="0">
+            <a:schemeClr val="accent1"/>
+          </a:effectRef>
+          <a:fontRef idx="minor">
+            <a:schemeClr val="tx1"/>
+          </a:fontRef>
+        </p:style>
+      </p:cxnSp>
+      <p:sp>
+        <p:nvSpPr>
+          <p:cNvPr id="53" name="矩形 52"/>
+          <p:cNvSpPr/>
+          <p:nvPr/>
+        </p:nvSpPr>
+        <p:spPr>
+          <a:xfrm>
+            <a:off x="1892642" y="2650212"/>
+            <a:ext cx="2607275" cy="766119"/>
+          </a:xfrm>
+          <a:prstGeom prst="rect">
+            <a:avLst/>
+          </a:prstGeom>
+        </p:spPr>
+        <p:style>
+          <a:lnRef idx="2">
+            <a:schemeClr val="accent1">
+              <a:shade val="50000"/>
+            </a:schemeClr>
+          </a:lnRef>
+          <a:fillRef idx="1">
+            <a:schemeClr val="accent1"/>
+          </a:fillRef>
+          <a:effectRef idx="0">
+            <a:schemeClr val="accent1"/>
+          </a:effectRef>
+          <a:fontRef idx="minor">
+            <a:schemeClr val="lt1"/>
+          </a:fontRef>
+        </p:style>
+        <p:txBody>
+          <a:bodyPr rtlCol="0" anchor="ctr"/>
+          <a:lstStyle/>
+          <a:p>
+            <a:pPr algn="ctr"/>
+            <a:r>
+              <a:rPr lang="zh-TW" altLang="en-US" dirty="0" smtClean="0"/>
+              <a:t>RegisterServlet.java</a:t>
+            </a:r>
+          </a:p>
+        </p:txBody>
+      </p:sp>
+      <p:cxnSp>
+        <p:nvCxnSpPr>
+          <p:cNvPr id="60" name="直線單箭頭接點 59"/>
+          <p:cNvCxnSpPr>
+            <a:stCxn id="53" idx="3"/>
+            <a:endCxn id="4" idx="1"/>
+          </p:cNvCxnSpPr>
+          <p:nvPr/>
+        </p:nvCxnSpPr>
+        <p:spPr>
+          <a:xfrm>
+            <a:off x="4499917" y="3033272"/>
+            <a:ext cx="469559" cy="1"/>
+          </a:xfrm>
+          <a:prstGeom prst="straightConnector1">
+            <a:avLst/>
+          </a:prstGeom>
+          <a:ln>
+            <a:tailEnd type="triangle"/>
+          </a:ln>
+        </p:spPr>
+        <p:style>
+          <a:lnRef idx="1">
+            <a:schemeClr val="accent1"/>
+          </a:lnRef>
+          <a:fillRef idx="0">
+            <a:schemeClr val="accent1"/>
+          </a:fillRef>
+          <a:effectRef idx="0">
+            <a:schemeClr val="accent1"/>
+          </a:effectRef>
+          <a:fontRef idx="minor">
+            <a:schemeClr val="tx1"/>
+          </a:fontRef>
+        </p:style>
+      </p:cxnSp>
+      <p:cxnSp>
+        <p:nvCxnSpPr>
+          <p:cNvPr id="62" name="直線單箭頭接點 61"/>
+          <p:cNvCxnSpPr>
+            <a:stCxn id="5" idx="3"/>
+            <a:endCxn id="7" idx="1"/>
+          </p:cNvCxnSpPr>
+          <p:nvPr/>
+        </p:nvCxnSpPr>
+        <p:spPr>
+          <a:xfrm flipV="1">
+            <a:off x="4155989" y="4569265"/>
+            <a:ext cx="813487" cy="1"/>
+          </a:xfrm>
+          <a:prstGeom prst="straightConnector1">
+            <a:avLst/>
+          </a:prstGeom>
+          <a:ln>
+            <a:tailEnd type="triangle"/>
+          </a:ln>
         </p:spPr>
         <p:style>
           <a:lnRef idx="1">
